--- a/chuck.pptx
+++ b/chuck.pptx
@@ -12,14 +12,15 @@
     <p:sldId id="260" r:id="rId6"/>
     <p:sldId id="261" r:id="rId7"/>
     <p:sldId id="262" r:id="rId8"/>
-    <p:sldId id="264" r:id="rId9"/>
-    <p:sldId id="263" r:id="rId10"/>
-    <p:sldId id="265" r:id="rId11"/>
-    <p:sldId id="266" r:id="rId12"/>
-    <p:sldId id="267" r:id="rId13"/>
-    <p:sldId id="268" r:id="rId14"/>
-    <p:sldId id="269" r:id="rId15"/>
-    <p:sldId id="270" r:id="rId16"/>
+    <p:sldId id="263" r:id="rId9"/>
+    <p:sldId id="265" r:id="rId10"/>
+    <p:sldId id="266" r:id="rId11"/>
+    <p:sldId id="267" r:id="rId12"/>
+    <p:sldId id="271" r:id="rId13"/>
+    <p:sldId id="264" r:id="rId14"/>
+    <p:sldId id="268" r:id="rId15"/>
+    <p:sldId id="269" r:id="rId16"/>
+    <p:sldId id="270" r:id="rId17"/>
   </p:sldIdLst>
   <p:sldSz cx="9144000" cy="6858000" type="screen4x3"/>
   <p:notesSz cx="6858000" cy="9144000"/>
@@ -3506,8 +3507,8 @@
           <a:lstStyle/>
           <a:p>
             <a:r>
-              <a:rPr lang="sv-SE" dirty="0" smtClean="0"/>
-              <a:t>Ackord</a:t>
+              <a:rPr lang="sv-SE" dirty="0" err="1" smtClean="0"/>
+              <a:t>Impulse</a:t>
             </a:r>
             <a:endParaRPr lang="sv-SE" dirty="0"/>
           </a:p>
@@ -3530,28 +3531,31 @@
           <a:p>
             <a:r>
               <a:rPr lang="sv-SE" dirty="0" smtClean="0"/>
-              <a:t>Följ skalan</a:t>
-            </a:r>
-          </a:p>
-          <a:p>
-            <a:endParaRPr lang="sv-SE" dirty="0"/>
-          </a:p>
-          <a:p>
-            <a:endParaRPr lang="sv-SE" dirty="0" smtClean="0"/>
-          </a:p>
-          <a:p>
-            <a:r>
-              <a:rPr lang="sv-SE" dirty="0" smtClean="0"/>
-              <a:t>&lt;</a:t>
-            </a:r>
-            <a:r>
-              <a:rPr lang="sv-SE" dirty="0" err="1" smtClean="0"/>
-              <a:t>code</a:t>
-            </a:r>
-            <a:r>
-              <a:rPr lang="sv-SE" dirty="0" smtClean="0"/>
-              <a:t>&gt;</a:t>
-            </a:r>
+              <a:t>Kan användas för att skapa ton</a:t>
+            </a:r>
+          </a:p>
+          <a:p>
+            <a:r>
+              <a:rPr lang="is-IS" dirty="0" smtClean="0"/>
+              <a:t>…genom delay</a:t>
+            </a:r>
+          </a:p>
+          <a:p>
+            <a:endParaRPr lang="is-IS" dirty="0"/>
+          </a:p>
+          <a:p>
+            <a:pPr marL="0" indent="0">
+              <a:buNone/>
+            </a:pPr>
+            <a:r>
+              <a:rPr lang="is-IS" dirty="0" smtClean="0"/>
+              <a:t> </a:t>
+            </a:r>
+          </a:p>
+          <a:p>
+            <a:endParaRPr lang="is-IS" dirty="0" smtClean="0"/>
+          </a:p>
+          <a:p>
             <a:endParaRPr lang="sv-SE" dirty="0"/>
           </a:p>
         </p:txBody>
@@ -3559,7 +3563,7 @@
     </p:spTree>
     <p:extLst>
       <p:ext uri="{BB962C8B-B14F-4D97-AF65-F5344CB8AC3E}">
-        <p14:creationId xmlns:p14="http://schemas.microsoft.com/office/powerpoint/2010/main" val="1247754957"/>
+        <p14:creationId xmlns:p14="http://schemas.microsoft.com/office/powerpoint/2010/main" val="2350752249"/>
       </p:ext>
     </p:extLst>
   </p:cSld>
@@ -3603,7 +3607,7 @@
           <a:p>
             <a:r>
               <a:rPr lang="sv-SE" dirty="0" err="1" smtClean="0"/>
-              <a:t>Impulse</a:t>
+              <a:t>Noise</a:t>
             </a:r>
             <a:endParaRPr lang="sv-SE" dirty="0"/>
           </a:p>
@@ -3632,19 +3636,35 @@
           <a:p>
             <a:r>
               <a:rPr lang="is-IS" dirty="0" smtClean="0"/>
-              <a:t>…genom delay</a:t>
+              <a:t>…genom att filtrera</a:t>
+            </a:r>
+          </a:p>
+          <a:p>
+            <a:r>
+              <a:rPr lang="sv-SE" dirty="0" smtClean="0"/>
+              <a:t>T</a:t>
+            </a:r>
+            <a:r>
+              <a:rPr lang="is-IS" dirty="0" smtClean="0"/>
+              <a:t>.ex. med LPF </a:t>
             </a:r>
           </a:p>
           <a:p>
             <a:endParaRPr lang="is-IS" dirty="0"/>
           </a:p>
           <a:p>
-            <a:pPr marL="0" indent="0">
-              <a:buNone/>
-            </a:pPr>
             <a:r>
               <a:rPr lang="is-IS" dirty="0" smtClean="0"/>
-              <a:t> </a:t>
+              <a:t>Kan användas för att pulsera med delay för att skapa ton, ungefär som för Impulse, fast med ett fetare ljud som resultat.</a:t>
+            </a:r>
+          </a:p>
+          <a:p>
+            <a:endParaRPr lang="is-IS" dirty="0"/>
+          </a:p>
+          <a:p>
+            <a:r>
+              <a:rPr lang="is-IS" dirty="0" smtClean="0"/>
+              <a:t>&lt;code&gt;</a:t>
             </a:r>
           </a:p>
           <a:p>
@@ -3658,7 +3678,7 @@
     </p:spTree>
     <p:extLst>
       <p:ext uri="{BB962C8B-B14F-4D97-AF65-F5344CB8AC3E}">
-        <p14:creationId xmlns:p14="http://schemas.microsoft.com/office/powerpoint/2010/main" val="2350752249"/>
+        <p14:creationId xmlns:p14="http://schemas.microsoft.com/office/powerpoint/2010/main" val="2261378091"/>
       </p:ext>
     </p:extLst>
   </p:cSld>
@@ -3702,7 +3722,7 @@
           <a:p>
             <a:r>
               <a:rPr lang="sv-SE" dirty="0" err="1" smtClean="0"/>
-              <a:t>Noise</a:t>
+              <a:t>Samples</a:t>
             </a:r>
             <a:endParaRPr lang="sv-SE" dirty="0"/>
           </a:p>
@@ -3725,47 +3745,37 @@
           <a:p>
             <a:r>
               <a:rPr lang="sv-SE" dirty="0" smtClean="0"/>
-              <a:t>Kan användas för att skapa ton</a:t>
-            </a:r>
-          </a:p>
-          <a:p>
-            <a:r>
-              <a:rPr lang="is-IS" dirty="0" smtClean="0"/>
-              <a:t>…genom att filtrera</a:t>
-            </a:r>
-          </a:p>
-          <a:p>
-            <a:r>
-              <a:rPr lang="sv-SE" dirty="0" smtClean="0"/>
-              <a:t>T</a:t>
-            </a:r>
-            <a:r>
-              <a:rPr lang="is-IS" dirty="0" smtClean="0"/>
-              <a:t>.ex. med LPF </a:t>
-            </a:r>
-          </a:p>
-          <a:p>
-            <a:endParaRPr lang="is-IS" dirty="0"/>
-          </a:p>
-          <a:p>
-            <a:r>
-              <a:rPr lang="is-IS" dirty="0" smtClean="0"/>
-              <a:t>Kan användas för att pulsera med delay för att skapa ton, ungefär som för Impulse, fast med ett fetare ljud som resultat.</a:t>
-            </a:r>
-          </a:p>
-          <a:p>
-            <a:endParaRPr lang="is-IS" dirty="0"/>
-          </a:p>
-          <a:p>
-            <a:r>
-              <a:rPr lang="is-IS" dirty="0" smtClean="0"/>
-              <a:t>&lt;code&gt;</a:t>
-            </a:r>
-          </a:p>
-          <a:p>
-            <a:endParaRPr lang="is-IS" dirty="0" smtClean="0"/>
-          </a:p>
-          <a:p>
+              <a:t>Ljudfiler</a:t>
+            </a:r>
+          </a:p>
+          <a:p>
+            <a:r>
+              <a:rPr lang="sv-SE" dirty="0" smtClean="0"/>
+              <a:t>Har en position</a:t>
+            </a:r>
+          </a:p>
+          <a:p>
+            <a:r>
+              <a:rPr lang="sv-SE" dirty="0" smtClean="0"/>
+              <a:t>Kan spelas baklänges</a:t>
+            </a:r>
+          </a:p>
+          <a:p>
+            <a:endParaRPr lang="sv-SE" dirty="0"/>
+          </a:p>
+          <a:p>
+            <a:r>
+              <a:rPr lang="sv-SE" dirty="0" smtClean="0"/>
+              <a:t>&lt;</a:t>
+            </a:r>
+            <a:r>
+              <a:rPr lang="sv-SE" dirty="0" err="1" smtClean="0"/>
+              <a:t>code</a:t>
+            </a:r>
+            <a:r>
+              <a:rPr lang="sv-SE" dirty="0" smtClean="0"/>
+              <a:t>&gt;</a:t>
+            </a:r>
             <a:endParaRPr lang="sv-SE" dirty="0"/>
           </a:p>
         </p:txBody>
@@ -3773,7 +3783,7 @@
     </p:spTree>
     <p:extLst>
       <p:ext uri="{BB962C8B-B14F-4D97-AF65-F5344CB8AC3E}">
-        <p14:creationId xmlns:p14="http://schemas.microsoft.com/office/powerpoint/2010/main" val="2261378091"/>
+        <p14:creationId xmlns:p14="http://schemas.microsoft.com/office/powerpoint/2010/main" val="994736801"/>
       </p:ext>
     </p:extLst>
   </p:cSld>
@@ -3817,7 +3827,7 @@
           <a:p>
             <a:r>
               <a:rPr lang="sv-SE" dirty="0" smtClean="0"/>
-              <a:t>Rummet</a:t>
+              <a:t>Tempo och sporking</a:t>
             </a:r>
             <a:endParaRPr lang="sv-SE" dirty="0"/>
           </a:p>
@@ -3839,63 +3849,84 @@
           <a:lstStyle/>
           <a:p>
             <a:r>
+              <a:rPr lang="sv-SE" dirty="0" smtClean="0"/>
+              <a:t>Duration data </a:t>
+            </a:r>
+            <a:r>
               <a:rPr lang="sv-SE" dirty="0" err="1" smtClean="0"/>
-              <a:t>Delay</a:t>
-            </a:r>
-            <a:r>
-              <a:rPr lang="sv-SE" dirty="0" smtClean="0"/>
-              <a:t> för att skapa reverb och eko</a:t>
-            </a:r>
-          </a:p>
-          <a:p>
-            <a:r>
-              <a:rPr lang="sv-SE" dirty="0" smtClean="0"/>
-              <a:t>Färdiga reverbs </a:t>
+              <a:t>type</a:t>
+            </a:r>
+            <a:r>
+              <a:rPr lang="sv-SE" dirty="0" smtClean="0"/>
+              <a:t> (dur)</a:t>
+            </a:r>
+          </a:p>
+          <a:p>
+            <a:r>
+              <a:rPr lang="sv-SE" dirty="0" smtClean="0"/>
+              <a:t>Second, </a:t>
             </a:r>
             <a:r>
               <a:rPr lang="sv-SE" dirty="0" err="1" smtClean="0"/>
-              <a:t>Nrev</a:t>
+              <a:t>ms</a:t>
+            </a:r>
+            <a:r>
+              <a:rPr lang="sv-SE" dirty="0" smtClean="0"/>
+              <a:t>, </a:t>
+            </a:r>
+            <a:r>
+              <a:rPr lang="sv-SE" dirty="0" err="1" smtClean="0"/>
+              <a:t>samp</a:t>
             </a:r>
             <a:endParaRPr lang="sv-SE" dirty="0" smtClean="0"/>
           </a:p>
           <a:p>
             <a:r>
               <a:rPr lang="sv-SE" dirty="0" smtClean="0"/>
-              <a:t>Andra </a:t>
-            </a:r>
+              <a:t>Tempo </a:t>
+            </a:r>
+            <a:r>
+              <a:rPr lang="sv-SE" dirty="0" smtClean="0"/>
+              <a:t>definition</a:t>
+            </a:r>
+          </a:p>
+          <a:p>
             <a:r>
               <a:rPr lang="sv-SE" dirty="0" err="1" smtClean="0"/>
-              <a:t>effects</a:t>
-            </a:r>
-            <a:r>
-              <a:rPr lang="sv-SE" dirty="0" smtClean="0"/>
-              <a:t>. Chorus, </a:t>
+              <a:t>Sporka</a:t>
+            </a:r>
+            <a:r>
+              <a:rPr lang="sv-SE" dirty="0" smtClean="0"/>
+              <a:t> </a:t>
             </a:r>
             <a:r>
               <a:rPr lang="sv-SE" dirty="0" err="1" smtClean="0"/>
-              <a:t>PitShift</a:t>
-            </a:r>
-            <a:r>
-              <a:rPr lang="sv-SE" dirty="0" smtClean="0"/>
-              <a:t>, </a:t>
-            </a:r>
+              <a:t>shreds</a:t>
+            </a:r>
+            <a:endParaRPr lang="sv-SE" dirty="0" smtClean="0"/>
+          </a:p>
+          <a:p>
+            <a:endParaRPr lang="sv-SE" dirty="0"/>
+          </a:p>
+          <a:p>
+            <a:endParaRPr lang="sv-SE" dirty="0" smtClean="0"/>
+          </a:p>
+          <a:p>
             <a:r>
               <a:rPr lang="sv-SE" dirty="0" err="1" smtClean="0"/>
-              <a:t>Dyno</a:t>
+              <a:t>drumswithtempo.ck</a:t>
             </a:r>
             <a:endParaRPr lang="sv-SE" dirty="0" smtClean="0"/>
           </a:p>
           <a:p>
-            <a:endParaRPr lang="sv-SE" dirty="0"/>
-          </a:p>
-          <a:p>
-            <a:r>
-              <a:rPr lang="sv-SE" dirty="0" smtClean="0"/>
-              <a:t> </a:t>
-            </a:r>
-          </a:p>
-          <a:p>
-            <a:endParaRPr lang="sv-SE" dirty="0"/>
+            <a:r>
+              <a:rPr lang="sv-SE" smtClean="0"/>
+              <a:t>Waveswithtempo.ck</a:t>
+            </a:r>
+            <a:endParaRPr lang="sv-SE" dirty="0" smtClean="0"/>
+          </a:p>
+          <a:p>
+            <a:endParaRPr lang="sv-SE" dirty="0" smtClean="0"/>
           </a:p>
           <a:p>
             <a:endParaRPr lang="sv-SE" dirty="0"/>
@@ -3905,7 +3936,7 @@
     </p:spTree>
     <p:extLst>
       <p:ext uri="{BB962C8B-B14F-4D97-AF65-F5344CB8AC3E}">
-        <p14:creationId xmlns:p14="http://schemas.microsoft.com/office/powerpoint/2010/main" val="2146012539"/>
+        <p14:creationId xmlns:p14="http://schemas.microsoft.com/office/powerpoint/2010/main" val="574682243"/>
       </p:ext>
     </p:extLst>
   </p:cSld>
@@ -3948,6 +3979,138 @@
           <a:lstStyle/>
           <a:p>
             <a:r>
+              <a:rPr lang="sv-SE" dirty="0" smtClean="0"/>
+              <a:t>Rummet</a:t>
+            </a:r>
+            <a:endParaRPr lang="sv-SE" dirty="0"/>
+          </a:p>
+        </p:txBody>
+      </p:sp>
+      <p:sp>
+        <p:nvSpPr>
+          <p:cNvPr id="3" name="Platshållare för innehåll 2"/>
+          <p:cNvSpPr>
+            <a:spLocks noGrp="1"/>
+          </p:cNvSpPr>
+          <p:nvPr>
+            <p:ph idx="1"/>
+          </p:nvPr>
+        </p:nvSpPr>
+        <p:spPr/>
+        <p:txBody>
+          <a:bodyPr/>
+          <a:lstStyle/>
+          <a:p>
+            <a:r>
+              <a:rPr lang="sv-SE" dirty="0" err="1" smtClean="0"/>
+              <a:t>Delay</a:t>
+            </a:r>
+            <a:r>
+              <a:rPr lang="sv-SE" dirty="0" smtClean="0"/>
+              <a:t> för att skapa reverb och eko</a:t>
+            </a:r>
+          </a:p>
+          <a:p>
+            <a:r>
+              <a:rPr lang="sv-SE" dirty="0" smtClean="0"/>
+              <a:t>Färdiga reverbs </a:t>
+            </a:r>
+            <a:r>
+              <a:rPr lang="sv-SE" dirty="0" err="1" smtClean="0"/>
+              <a:t>Nrev</a:t>
+            </a:r>
+            <a:endParaRPr lang="sv-SE" dirty="0" smtClean="0"/>
+          </a:p>
+          <a:p>
+            <a:r>
+              <a:rPr lang="sv-SE" dirty="0" smtClean="0"/>
+              <a:t>Andra </a:t>
+            </a:r>
+            <a:r>
+              <a:rPr lang="sv-SE" dirty="0" err="1" smtClean="0"/>
+              <a:t>effects</a:t>
+            </a:r>
+            <a:r>
+              <a:rPr lang="sv-SE" dirty="0" smtClean="0"/>
+              <a:t>. Chorus, </a:t>
+            </a:r>
+            <a:r>
+              <a:rPr lang="sv-SE" dirty="0" err="1" smtClean="0"/>
+              <a:t>PitShift</a:t>
+            </a:r>
+            <a:r>
+              <a:rPr lang="sv-SE" dirty="0" smtClean="0"/>
+              <a:t>, </a:t>
+            </a:r>
+            <a:r>
+              <a:rPr lang="sv-SE" dirty="0" err="1" smtClean="0"/>
+              <a:t>Dyno</a:t>
+            </a:r>
+            <a:endParaRPr lang="sv-SE" dirty="0" smtClean="0"/>
+          </a:p>
+          <a:p>
+            <a:endParaRPr lang="sv-SE" dirty="0"/>
+          </a:p>
+          <a:p>
+            <a:r>
+              <a:rPr lang="sv-SE" dirty="0" smtClean="0"/>
+              <a:t> </a:t>
+            </a:r>
+          </a:p>
+          <a:p>
+            <a:endParaRPr lang="sv-SE" dirty="0"/>
+          </a:p>
+          <a:p>
+            <a:endParaRPr lang="sv-SE" dirty="0"/>
+          </a:p>
+        </p:txBody>
+      </p:sp>
+    </p:spTree>
+    <p:extLst>
+      <p:ext uri="{BB962C8B-B14F-4D97-AF65-F5344CB8AC3E}">
+        <p14:creationId xmlns:p14="http://schemas.microsoft.com/office/powerpoint/2010/main" val="2146012539"/>
+      </p:ext>
+    </p:extLst>
+  </p:cSld>
+  <p:clrMapOvr>
+    <a:masterClrMapping/>
+  </p:clrMapOvr>
+</p:sld>
+</file>
+
+<file path=ppt/slides/slide15.xml><?xml version="1.0" encoding="utf-8"?>
+<p:sld xmlns:a="http://schemas.openxmlformats.org/drawingml/2006/main" xmlns:r="http://schemas.openxmlformats.org/officeDocument/2006/relationships" xmlns:p="http://schemas.openxmlformats.org/presentationml/2006/main">
+  <p:cSld>
+    <p:spTree>
+      <p:nvGrpSpPr>
+        <p:cNvPr id="1" name=""/>
+        <p:cNvGrpSpPr/>
+        <p:nvPr/>
+      </p:nvGrpSpPr>
+      <p:grpSpPr>
+        <a:xfrm>
+          <a:off x="0" y="0"/>
+          <a:ext cx="0" cy="0"/>
+          <a:chOff x="0" y="0"/>
+          <a:chExt cx="0" cy="0"/>
+        </a:xfrm>
+      </p:grpSpPr>
+      <p:sp>
+        <p:nvSpPr>
+          <p:cNvPr id="2" name="Rubrik 1"/>
+          <p:cNvSpPr>
+            <a:spLocks noGrp="1"/>
+          </p:cNvSpPr>
+          <p:nvPr>
+            <p:ph type="title"/>
+          </p:nvPr>
+        </p:nvSpPr>
+        <p:spPr/>
+        <p:txBody>
+          <a:bodyPr/>
+          <a:lstStyle/>
+          <a:p>
+            <a:r>
               <a:rPr lang="sv-SE" dirty="0" err="1" smtClean="0"/>
               <a:t>Voices</a:t>
             </a:r>
@@ -3987,7 +4150,7 @@
 </p:sld>
 </file>
 
-<file path=ppt/slides/slide15.xml><?xml version="1.0" encoding="utf-8"?>
+<file path=ppt/slides/slide16.xml><?xml version="1.0" encoding="utf-8"?>
 <p:sld xmlns:a="http://schemas.openxmlformats.org/drawingml/2006/main" xmlns:r="http://schemas.openxmlformats.org/officeDocument/2006/relationships" xmlns:p="http://schemas.openxmlformats.org/presentationml/2006/main">
   <p:cSld>
     <p:spTree>
@@ -4849,7 +5012,7 @@
           <a:p>
             <a:r>
               <a:rPr lang="sv-SE" dirty="0" smtClean="0"/>
-              <a:t>Tempo</a:t>
+              <a:t>Skalor</a:t>
             </a:r>
             <a:endParaRPr lang="sv-SE" dirty="0"/>
           </a:p>
@@ -4872,74 +5035,66 @@
           <a:p>
             <a:r>
               <a:rPr lang="sv-SE" dirty="0" smtClean="0"/>
-              <a:t>Duration data </a:t>
+              <a:t>Midi-koder och </a:t>
             </a:r>
             <a:r>
               <a:rPr lang="sv-SE" dirty="0" err="1" smtClean="0"/>
-              <a:t>type</a:t>
-            </a:r>
-            <a:r>
-              <a:rPr lang="sv-SE" dirty="0" smtClean="0"/>
-              <a:t> (dur)</a:t>
-            </a:r>
-          </a:p>
-          <a:p>
-            <a:r>
-              <a:rPr lang="sv-SE" dirty="0" smtClean="0"/>
-              <a:t>Second, </a:t>
+              <a:t>utils</a:t>
+            </a:r>
+            <a:r>
+              <a:rPr lang="sv-SE" dirty="0" smtClean="0"/>
+              <a:t> för att göra om till frekvens</a:t>
+            </a:r>
+          </a:p>
+          <a:p>
+            <a:r>
+              <a:rPr lang="sv-SE" dirty="0" smtClean="0"/>
+              <a:t>Skapa skala i en </a:t>
             </a:r>
             <a:r>
               <a:rPr lang="sv-SE" dirty="0" err="1" smtClean="0"/>
-              <a:t>ms</a:t>
-            </a:r>
-            <a:r>
-              <a:rPr lang="sv-SE" dirty="0" smtClean="0"/>
-              <a:t>, </a:t>
+              <a:t>array</a:t>
+            </a:r>
+            <a:endParaRPr lang="sv-SE" dirty="0" smtClean="0"/>
+          </a:p>
+          <a:p>
+            <a:r>
+              <a:rPr lang="sv-SE" dirty="0" smtClean="0"/>
+              <a:t>Pentatonisk skala, </a:t>
             </a:r>
             <a:r>
               <a:rPr lang="sv-SE" dirty="0" err="1" smtClean="0"/>
-              <a:t>samp</a:t>
+              <a:t>perfect</a:t>
+            </a:r>
+            <a:r>
+              <a:rPr lang="sv-SE" dirty="0" smtClean="0"/>
+              <a:t> </a:t>
+            </a:r>
+            <a:r>
+              <a:rPr lang="sv-SE" dirty="0" err="1" smtClean="0"/>
+              <a:t>fifth</a:t>
+            </a:r>
+            <a:r>
+              <a:rPr lang="sv-SE" dirty="0" smtClean="0"/>
+              <a:t> = frekvens*1.5</a:t>
             </a:r>
             <a:endParaRPr lang="sv-SE" dirty="0" smtClean="0"/>
           </a:p>
           <a:p>
-            <a:r>
-              <a:rPr lang="sv-SE" dirty="0" smtClean="0"/>
-              <a:t>Tempo definition</a:t>
-            </a:r>
-          </a:p>
-          <a:p>
             <a:endParaRPr lang="sv-SE" dirty="0"/>
           </a:p>
           <a:p>
-            <a:endParaRPr lang="sv-SE" dirty="0" smtClean="0"/>
-          </a:p>
-          <a:p>
-            <a:r>
-              <a:rPr lang="sv-SE" dirty="0" smtClean="0"/>
-              <a:t>&lt;</a:t>
-            </a:r>
-            <a:r>
-              <a:rPr lang="sv-SE" dirty="0" err="1" smtClean="0"/>
-              <a:t>code</a:t>
-            </a:r>
-            <a:r>
-              <a:rPr lang="sv-SE" dirty="0" smtClean="0"/>
-              <a:t>&gt;</a:t>
-            </a:r>
-          </a:p>
-          <a:p>
-            <a:endParaRPr lang="sv-SE" dirty="0" smtClean="0"/>
-          </a:p>
-          <a:p>
-            <a:endParaRPr lang="sv-SE" dirty="0"/>
+            <a:r>
+              <a:rPr lang="sv-SE" dirty="0" smtClean="0"/>
+              <a:t>&lt;koda&gt;</a:t>
+            </a:r>
           </a:p>
         </p:txBody>
       </p:sp>
     </p:spTree>
     <p:extLst>
       <p:ext uri="{BB962C8B-B14F-4D97-AF65-F5344CB8AC3E}">
-        <p14:creationId xmlns:p14="http://schemas.microsoft.com/office/powerpoint/2010/main" val="574682243"/>
+        <p14:creationId xmlns:p14="http://schemas.microsoft.com/office/powerpoint/2010/main" val="1340878189"/>
       </p:ext>
     </p:extLst>
   </p:cSld>
@@ -4983,7 +5138,7 @@
           <a:p>
             <a:r>
               <a:rPr lang="sv-SE" dirty="0" smtClean="0"/>
-              <a:t>Skalor</a:t>
+              <a:t>Ackord</a:t>
             </a:r>
             <a:endParaRPr lang="sv-SE" dirty="0"/>
           </a:p>
@@ -5006,43 +5161,36 @@
           <a:p>
             <a:r>
               <a:rPr lang="sv-SE" dirty="0" smtClean="0"/>
-              <a:t>Midi-koder och </a:t>
+              <a:t>Följ skalan</a:t>
+            </a:r>
+          </a:p>
+          <a:p>
+            <a:endParaRPr lang="sv-SE" dirty="0"/>
+          </a:p>
+          <a:p>
+            <a:endParaRPr lang="sv-SE" dirty="0" smtClean="0"/>
+          </a:p>
+          <a:p>
+            <a:r>
+              <a:rPr lang="sv-SE" dirty="0" smtClean="0"/>
+              <a:t>&lt;</a:t>
             </a:r>
             <a:r>
               <a:rPr lang="sv-SE" dirty="0" err="1" smtClean="0"/>
-              <a:t>utils</a:t>
-            </a:r>
-            <a:r>
-              <a:rPr lang="sv-SE" dirty="0" smtClean="0"/>
-              <a:t> för att göra om till frekvens</a:t>
-            </a:r>
-          </a:p>
-          <a:p>
-            <a:r>
-              <a:rPr lang="sv-SE" dirty="0" smtClean="0"/>
-              <a:t>Skapa skala i en </a:t>
-            </a:r>
-            <a:r>
-              <a:rPr lang="sv-SE" dirty="0" err="1" smtClean="0"/>
-              <a:t>array</a:t>
-            </a:r>
-            <a:endParaRPr lang="sv-SE" dirty="0" smtClean="0"/>
-          </a:p>
-          <a:p>
+              <a:t>code</a:t>
+            </a:r>
+            <a:r>
+              <a:rPr lang="sv-SE" dirty="0" smtClean="0"/>
+              <a:t>&gt;</a:t>
+            </a:r>
             <a:endParaRPr lang="sv-SE" dirty="0"/>
-          </a:p>
-          <a:p>
-            <a:r>
-              <a:rPr lang="sv-SE" dirty="0" smtClean="0"/>
-              <a:t>&lt;koda&gt;</a:t>
-            </a:r>
           </a:p>
         </p:txBody>
       </p:sp>
     </p:spTree>
     <p:extLst>
       <p:ext uri="{BB962C8B-B14F-4D97-AF65-F5344CB8AC3E}">
-        <p14:creationId xmlns:p14="http://schemas.microsoft.com/office/powerpoint/2010/main" val="1340878189"/>
+        <p14:creationId xmlns:p14="http://schemas.microsoft.com/office/powerpoint/2010/main" val="1247754957"/>
       </p:ext>
     </p:extLst>
   </p:cSld>

--- a/chuck.pptx
+++ b/chuck.pptx
@@ -13,14 +13,13 @@
     <p:sldId id="261" r:id="rId7"/>
     <p:sldId id="262" r:id="rId8"/>
     <p:sldId id="263" r:id="rId9"/>
-    <p:sldId id="265" r:id="rId10"/>
-    <p:sldId id="266" r:id="rId11"/>
-    <p:sldId id="267" r:id="rId12"/>
-    <p:sldId id="271" r:id="rId13"/>
-    <p:sldId id="264" r:id="rId14"/>
-    <p:sldId id="268" r:id="rId15"/>
-    <p:sldId id="269" r:id="rId16"/>
-    <p:sldId id="270" r:id="rId17"/>
+    <p:sldId id="267" r:id="rId10"/>
+    <p:sldId id="271" r:id="rId11"/>
+    <p:sldId id="264" r:id="rId12"/>
+    <p:sldId id="265" r:id="rId13"/>
+    <p:sldId id="268" r:id="rId14"/>
+    <p:sldId id="272" r:id="rId15"/>
+    <p:sldId id="273" r:id="rId16"/>
   </p:sldIdLst>
   <p:sldSz cx="9144000" cy="6858000" type="screen4x3"/>
   <p:notesSz cx="6858000" cy="9144000"/>
@@ -3457,6 +3456,35 @@
           <a:bodyPr/>
           <a:lstStyle/>
           <a:p>
+            <a:r>
+              <a:rPr lang="sv-SE" dirty="0" smtClean="0"/>
+              <a:t>Inte Norris</a:t>
+            </a:r>
+          </a:p>
+          <a:p>
+            <a:endParaRPr lang="sv-SE" dirty="0"/>
+          </a:p>
+          <a:p>
+            <a:r>
+              <a:rPr lang="sv-SE" dirty="0" smtClean="0"/>
+              <a:t>Börja med att installera Chuck </a:t>
+            </a:r>
+            <a:r>
+              <a:rPr lang="sv-SE" dirty="0"/>
+              <a:t>och klona </a:t>
+            </a:r>
+            <a:r>
+              <a:rPr lang="sv-SE" dirty="0" err="1"/>
+              <a:t>git@github.com:melke</a:t>
+            </a:r>
+            <a:r>
+              <a:rPr lang="sv-SE" dirty="0"/>
+              <a:t>/</a:t>
+            </a:r>
+            <a:r>
+              <a:rPr lang="sv-SE" dirty="0" err="1"/>
+              <a:t>makinmusic.git</a:t>
+            </a:r>
             <a:endParaRPr lang="sv-SE" dirty="0"/>
           </a:p>
         </p:txBody>
@@ -3508,7 +3536,7 @@
           <a:p>
             <a:r>
               <a:rPr lang="sv-SE" dirty="0" err="1" smtClean="0"/>
-              <a:t>Impulse</a:t>
+              <a:t>Samples</a:t>
             </a:r>
             <a:endParaRPr lang="sv-SE" dirty="0"/>
           </a:p>
@@ -3531,31 +3559,37 @@
           <a:p>
             <a:r>
               <a:rPr lang="sv-SE" dirty="0" smtClean="0"/>
-              <a:t>Kan användas för att skapa ton</a:t>
-            </a:r>
-          </a:p>
-          <a:p>
-            <a:r>
-              <a:rPr lang="is-IS" dirty="0" smtClean="0"/>
-              <a:t>…genom delay</a:t>
-            </a:r>
-          </a:p>
-          <a:p>
-            <a:endParaRPr lang="is-IS" dirty="0"/>
-          </a:p>
-          <a:p>
-            <a:pPr marL="0" indent="0">
-              <a:buNone/>
-            </a:pPr>
-            <a:r>
-              <a:rPr lang="is-IS" dirty="0" smtClean="0"/>
-              <a:t> </a:t>
-            </a:r>
-          </a:p>
-          <a:p>
-            <a:endParaRPr lang="is-IS" dirty="0" smtClean="0"/>
-          </a:p>
-          <a:p>
+              <a:t>Ljudfiler</a:t>
+            </a:r>
+          </a:p>
+          <a:p>
+            <a:r>
+              <a:rPr lang="sv-SE" dirty="0" smtClean="0"/>
+              <a:t>Har en position</a:t>
+            </a:r>
+          </a:p>
+          <a:p>
+            <a:r>
+              <a:rPr lang="sv-SE" dirty="0" smtClean="0"/>
+              <a:t>Kan spelas baklänges</a:t>
+            </a:r>
+          </a:p>
+          <a:p>
+            <a:endParaRPr lang="sv-SE" dirty="0"/>
+          </a:p>
+          <a:p>
+            <a:r>
+              <a:rPr lang="sv-SE" dirty="0" smtClean="0"/>
+              <a:t>&lt;</a:t>
+            </a:r>
+            <a:r>
+              <a:rPr lang="sv-SE" dirty="0" err="1" smtClean="0"/>
+              <a:t>samples.ck</a:t>
+            </a:r>
+            <a:r>
+              <a:rPr lang="sv-SE" dirty="0" smtClean="0"/>
+              <a:t>&gt;</a:t>
+            </a:r>
             <a:endParaRPr lang="sv-SE" dirty="0"/>
           </a:p>
         </p:txBody>
@@ -3563,7 +3597,7 @@
     </p:spTree>
     <p:extLst>
       <p:ext uri="{BB962C8B-B14F-4D97-AF65-F5344CB8AC3E}">
-        <p14:creationId xmlns:p14="http://schemas.microsoft.com/office/powerpoint/2010/main" val="2350752249"/>
+        <p14:creationId xmlns:p14="http://schemas.microsoft.com/office/powerpoint/2010/main" val="994736801"/>
       </p:ext>
     </p:extLst>
   </p:cSld>
@@ -3606,8 +3640,12 @@
           <a:lstStyle/>
           <a:p>
             <a:r>
-              <a:rPr lang="sv-SE" dirty="0" err="1" smtClean="0"/>
-              <a:t>Noise</a:t>
+              <a:rPr lang="sv-SE" dirty="0" smtClean="0"/>
+              <a:t>Tempo, sporking, </a:t>
+            </a:r>
+            <a:r>
+              <a:rPr lang="sv-SE" dirty="0" err="1" smtClean="0"/>
+              <a:t>includes</a:t>
             </a:r>
             <a:endParaRPr lang="sv-SE" dirty="0"/>
           </a:p>
@@ -3630,45 +3668,110 @@
           <a:p>
             <a:r>
               <a:rPr lang="sv-SE" dirty="0" smtClean="0"/>
-              <a:t>Kan användas för att skapa ton</a:t>
-            </a:r>
-          </a:p>
-          <a:p>
-            <a:r>
-              <a:rPr lang="is-IS" dirty="0" smtClean="0"/>
-              <a:t>…genom att filtrera</a:t>
-            </a:r>
-          </a:p>
-          <a:p>
-            <a:r>
-              <a:rPr lang="sv-SE" dirty="0" smtClean="0"/>
-              <a:t>T</a:t>
-            </a:r>
-            <a:r>
-              <a:rPr lang="is-IS" dirty="0" smtClean="0"/>
-              <a:t>.ex. med LPF </a:t>
-            </a:r>
-          </a:p>
-          <a:p>
-            <a:endParaRPr lang="is-IS" dirty="0"/>
-          </a:p>
-          <a:p>
-            <a:r>
-              <a:rPr lang="is-IS" dirty="0" smtClean="0"/>
-              <a:t>Kan användas för att pulsera med delay för att skapa ton, ungefär som för Impulse, fast med ett fetare ljud som resultat.</a:t>
-            </a:r>
-          </a:p>
-          <a:p>
-            <a:endParaRPr lang="is-IS" dirty="0"/>
-          </a:p>
-          <a:p>
-            <a:r>
-              <a:rPr lang="is-IS" dirty="0" smtClean="0"/>
-              <a:t>&lt;code&gt;</a:t>
-            </a:r>
-          </a:p>
-          <a:p>
-            <a:endParaRPr lang="is-IS" dirty="0" smtClean="0"/>
+              <a:t>Duration data </a:t>
+            </a:r>
+            <a:r>
+              <a:rPr lang="sv-SE" dirty="0" err="1" smtClean="0"/>
+              <a:t>type</a:t>
+            </a:r>
+            <a:r>
+              <a:rPr lang="sv-SE" dirty="0" smtClean="0"/>
+              <a:t> (dur)</a:t>
+            </a:r>
+          </a:p>
+          <a:p>
+            <a:r>
+              <a:rPr lang="sv-SE" dirty="0" smtClean="0"/>
+              <a:t>Second, </a:t>
+            </a:r>
+            <a:r>
+              <a:rPr lang="sv-SE" dirty="0" err="1" smtClean="0"/>
+              <a:t>ms</a:t>
+            </a:r>
+            <a:r>
+              <a:rPr lang="sv-SE" dirty="0" smtClean="0"/>
+              <a:t>, </a:t>
+            </a:r>
+            <a:r>
+              <a:rPr lang="sv-SE" dirty="0" err="1" smtClean="0"/>
+              <a:t>samp</a:t>
+            </a:r>
+            <a:endParaRPr lang="sv-SE" dirty="0" smtClean="0"/>
+          </a:p>
+          <a:p>
+            <a:r>
+              <a:rPr lang="sv-SE" dirty="0" smtClean="0"/>
+              <a:t>Tempo </a:t>
+            </a:r>
+            <a:r>
+              <a:rPr lang="sv-SE" dirty="0" smtClean="0"/>
+              <a:t>definition</a:t>
+            </a:r>
+          </a:p>
+          <a:p>
+            <a:r>
+              <a:rPr lang="sv-SE" dirty="0" err="1" smtClean="0"/>
+              <a:t>Sporka</a:t>
+            </a:r>
+            <a:r>
+              <a:rPr lang="sv-SE" dirty="0" smtClean="0"/>
+              <a:t> </a:t>
+            </a:r>
+            <a:r>
+              <a:rPr lang="sv-SE" dirty="0" err="1" smtClean="0"/>
+              <a:t>shreds</a:t>
+            </a:r>
+            <a:endParaRPr lang="sv-SE" dirty="0" smtClean="0"/>
+          </a:p>
+          <a:p>
+            <a:r>
+              <a:rPr lang="sv-SE" dirty="0" smtClean="0"/>
+              <a:t>Klasser och </a:t>
+            </a:r>
+            <a:r>
+              <a:rPr lang="sv-SE" dirty="0" err="1" smtClean="0"/>
+              <a:t>includes</a:t>
+            </a:r>
+            <a:r>
+              <a:rPr lang="sv-SE" dirty="0" smtClean="0"/>
+              <a:t> (</a:t>
+            </a:r>
+            <a:r>
+              <a:rPr lang="sv-SE" dirty="0" err="1" smtClean="0"/>
+              <a:t>Machine.Add</a:t>
+            </a:r>
+            <a:r>
+              <a:rPr lang="sv-SE" dirty="0" smtClean="0"/>
+              <a:t>)</a:t>
+            </a:r>
+            <a:endParaRPr lang="sv-SE" dirty="0" smtClean="0"/>
+          </a:p>
+          <a:p>
+            <a:endParaRPr lang="sv-SE" dirty="0"/>
+          </a:p>
+          <a:p>
+            <a:endParaRPr lang="sv-SE" dirty="0" smtClean="0"/>
+          </a:p>
+          <a:p>
+            <a:r>
+              <a:rPr lang="sv-SE" dirty="0" err="1" smtClean="0"/>
+              <a:t>drumswithtempo.ck</a:t>
+            </a:r>
+            <a:endParaRPr lang="sv-SE" dirty="0" smtClean="0"/>
+          </a:p>
+          <a:p>
+            <a:r>
+              <a:rPr lang="sv-SE" dirty="0" err="1" smtClean="0"/>
+              <a:t>w</a:t>
+            </a:r>
+            <a:r>
+              <a:rPr lang="sv-SE" dirty="0" err="1" smtClean="0"/>
+              <a:t>aveswithtempo_main.ck</a:t>
+            </a:r>
+            <a:endParaRPr lang="sv-SE" dirty="0" smtClean="0"/>
+          </a:p>
+          <a:p>
+            <a:endParaRPr lang="sv-SE" dirty="0" smtClean="0"/>
           </a:p>
           <a:p>
             <a:endParaRPr lang="sv-SE" dirty="0"/>
@@ -3678,7 +3781,7 @@
     </p:spTree>
     <p:extLst>
       <p:ext uri="{BB962C8B-B14F-4D97-AF65-F5344CB8AC3E}">
-        <p14:creationId xmlns:p14="http://schemas.microsoft.com/office/powerpoint/2010/main" val="2261378091"/>
+        <p14:creationId xmlns:p14="http://schemas.microsoft.com/office/powerpoint/2010/main" val="574682243"/>
       </p:ext>
     </p:extLst>
   </p:cSld>
@@ -3721,8 +3824,8 @@
           <a:lstStyle/>
           <a:p>
             <a:r>
-              <a:rPr lang="sv-SE" dirty="0" err="1" smtClean="0"/>
-              <a:t>Samples</a:t>
+              <a:rPr lang="sv-SE" dirty="0" smtClean="0"/>
+              <a:t>Ackord</a:t>
             </a:r>
             <a:endParaRPr lang="sv-SE" dirty="0"/>
           </a:p>
@@ -3745,45 +3848,26 @@
           <a:p>
             <a:r>
               <a:rPr lang="sv-SE" dirty="0" smtClean="0"/>
-              <a:t>Ljudfiler</a:t>
-            </a:r>
-          </a:p>
-          <a:p>
-            <a:r>
-              <a:rPr lang="sv-SE" dirty="0" smtClean="0"/>
-              <a:t>Har en position</a:t>
-            </a:r>
-          </a:p>
-          <a:p>
-            <a:r>
-              <a:rPr lang="sv-SE" dirty="0" smtClean="0"/>
-              <a:t>Kan spelas baklänges</a:t>
-            </a:r>
-          </a:p>
-          <a:p>
+              <a:t>Man kan spela flera noter samtidigt. Helst ur skalan.</a:t>
+            </a:r>
             <a:endParaRPr lang="sv-SE" dirty="0"/>
           </a:p>
           <a:p>
-            <a:r>
-              <a:rPr lang="sv-SE" dirty="0" smtClean="0"/>
-              <a:t>&lt;</a:t>
-            </a:r>
-            <a:r>
-              <a:rPr lang="sv-SE" dirty="0" err="1" smtClean="0"/>
-              <a:t>code</a:t>
-            </a:r>
-            <a:r>
-              <a:rPr lang="sv-SE" dirty="0" smtClean="0"/>
-              <a:t>&gt;</a:t>
-            </a:r>
             <a:endParaRPr lang="sv-SE" dirty="0"/>
+          </a:p>
+          <a:p>
+            <a:r>
+              <a:rPr lang="sv-SE" dirty="0" smtClean="0"/>
+              <a:t>&lt;koda&gt;</a:t>
+            </a:r>
+            <a:endParaRPr lang="sv-SE" dirty="0" smtClean="0"/>
           </a:p>
         </p:txBody>
       </p:sp>
     </p:spTree>
     <p:extLst>
       <p:ext uri="{BB962C8B-B14F-4D97-AF65-F5344CB8AC3E}">
-        <p14:creationId xmlns:p14="http://schemas.microsoft.com/office/powerpoint/2010/main" val="994736801"/>
+        <p14:creationId xmlns:p14="http://schemas.microsoft.com/office/powerpoint/2010/main" val="1247754957"/>
       </p:ext>
     </p:extLst>
   </p:cSld>
@@ -3827,7 +3911,7 @@
           <a:p>
             <a:r>
               <a:rPr lang="sv-SE" dirty="0" smtClean="0"/>
-              <a:t>Tempo och sporking</a:t>
+              <a:t>Rummet</a:t>
             </a:r>
             <a:endParaRPr lang="sv-SE" dirty="0"/>
           </a:p>
@@ -3849,26 +3933,41 @@
           <a:lstStyle/>
           <a:p>
             <a:r>
-              <a:rPr lang="sv-SE" dirty="0" smtClean="0"/>
-              <a:t>Duration data </a:t>
-            </a:r>
-            <a:r>
-              <a:rPr lang="sv-SE" dirty="0" err="1" smtClean="0"/>
-              <a:t>type</a:t>
-            </a:r>
-            <a:r>
-              <a:rPr lang="sv-SE" dirty="0" smtClean="0"/>
-              <a:t> (dur)</a:t>
-            </a:r>
-          </a:p>
-          <a:p>
-            <a:r>
-              <a:rPr lang="sv-SE" dirty="0" smtClean="0"/>
-              <a:t>Second, </a:t>
-            </a:r>
-            <a:r>
-              <a:rPr lang="sv-SE" dirty="0" err="1" smtClean="0"/>
-              <a:t>ms</a:t>
+              <a:rPr lang="sv-SE" dirty="0" err="1" smtClean="0"/>
+              <a:t>Delay</a:t>
+            </a:r>
+            <a:r>
+              <a:rPr lang="sv-SE" dirty="0" smtClean="0"/>
+              <a:t> för att skapa reverb och eko</a:t>
+            </a:r>
+          </a:p>
+          <a:p>
+            <a:r>
+              <a:rPr lang="sv-SE" dirty="0" smtClean="0"/>
+              <a:t>Färdiga reverbs </a:t>
+            </a:r>
+            <a:r>
+              <a:rPr lang="sv-SE" dirty="0" err="1" smtClean="0"/>
+              <a:t>Nrev</a:t>
+            </a:r>
+            <a:endParaRPr lang="sv-SE" dirty="0" smtClean="0"/>
+          </a:p>
+          <a:p>
+            <a:r>
+              <a:rPr lang="sv-SE" dirty="0" smtClean="0"/>
+              <a:t>Andra </a:t>
+            </a:r>
+            <a:r>
+              <a:rPr lang="sv-SE" dirty="0" err="1" smtClean="0"/>
+              <a:t>effects</a:t>
+            </a:r>
+            <a:r>
+              <a:rPr lang="sv-SE" dirty="0" smtClean="0"/>
+              <a:t>. Chorus, </a:t>
+            </a:r>
+            <a:r>
+              <a:rPr lang="sv-SE" dirty="0" err="1" smtClean="0"/>
+              <a:t>PitShift</a:t>
             </a:r>
             <a:r>
               <a:rPr lang="sv-SE" dirty="0" smtClean="0"/>
@@ -3876,57 +3975,48 @@
             </a:r>
             <a:r>
               <a:rPr lang="sv-SE" dirty="0" err="1" smtClean="0"/>
-              <a:t>samp</a:t>
+              <a:t>Dyno</a:t>
             </a:r>
             <a:endParaRPr lang="sv-SE" dirty="0" smtClean="0"/>
           </a:p>
           <a:p>
-            <a:r>
-              <a:rPr lang="sv-SE" dirty="0" smtClean="0"/>
-              <a:t>Tempo </a:t>
-            </a:r>
-            <a:r>
-              <a:rPr lang="sv-SE" dirty="0" smtClean="0"/>
-              <a:t>definition</a:t>
-            </a:r>
-          </a:p>
-          <a:p>
-            <a:r>
-              <a:rPr lang="sv-SE" dirty="0" err="1" smtClean="0"/>
-              <a:t>Sporka</a:t>
-            </a:r>
+            <a:endParaRPr lang="sv-SE" dirty="0"/>
+          </a:p>
+          <a:p>
             <a:r>
               <a:rPr lang="sv-SE" dirty="0" smtClean="0"/>
               <a:t> </a:t>
             </a:r>
             <a:r>
-              <a:rPr lang="sv-SE" dirty="0" err="1" smtClean="0"/>
-              <a:t>shreds</a:t>
+              <a:rPr lang="sv-SE" dirty="0" smtClean="0"/>
+              <a:t>&lt;</a:t>
+            </a:r>
+            <a:r>
+              <a:rPr lang="sv-SE" dirty="0" err="1" smtClean="0"/>
+              <a:t>room.ck</a:t>
+            </a:r>
+            <a:r>
+              <a:rPr lang="sv-SE" dirty="0" smtClean="0"/>
+              <a:t>&gt;</a:t>
+            </a:r>
+          </a:p>
+          <a:p>
+            <a:r>
+              <a:rPr lang="sv-SE" dirty="0" smtClean="0"/>
+              <a:t>&lt;</a:t>
+            </a:r>
+            <a:r>
+              <a:rPr lang="sv-SE" dirty="0" err="1" smtClean="0"/>
+              <a:t>pitch.ck</a:t>
+            </a:r>
+            <a:r>
+              <a:rPr lang="sv-SE" dirty="0" smtClean="0"/>
+              <a:t>&gt;</a:t>
             </a:r>
             <a:endParaRPr lang="sv-SE" dirty="0" smtClean="0"/>
           </a:p>
           <a:p>
             <a:endParaRPr lang="sv-SE" dirty="0"/>
-          </a:p>
-          <a:p>
-            <a:endParaRPr lang="sv-SE" dirty="0" smtClean="0"/>
-          </a:p>
-          <a:p>
-            <a:r>
-              <a:rPr lang="sv-SE" dirty="0" err="1" smtClean="0"/>
-              <a:t>drumswithtempo.ck</a:t>
-            </a:r>
-            <a:endParaRPr lang="sv-SE" dirty="0" smtClean="0"/>
-          </a:p>
-          <a:p>
-            <a:r>
-              <a:rPr lang="sv-SE" smtClean="0"/>
-              <a:t>Waveswithtempo.ck</a:t>
-            </a:r>
-            <a:endParaRPr lang="sv-SE" dirty="0" smtClean="0"/>
-          </a:p>
-          <a:p>
-            <a:endParaRPr lang="sv-SE" dirty="0" smtClean="0"/>
           </a:p>
           <a:p>
             <a:endParaRPr lang="sv-SE" dirty="0"/>
@@ -3936,7 +4026,7 @@
     </p:spTree>
     <p:extLst>
       <p:ext uri="{BB962C8B-B14F-4D97-AF65-F5344CB8AC3E}">
-        <p14:creationId xmlns:p14="http://schemas.microsoft.com/office/powerpoint/2010/main" val="574682243"/>
+        <p14:creationId xmlns:p14="http://schemas.microsoft.com/office/powerpoint/2010/main" val="2146012539"/>
       </p:ext>
     </p:extLst>
   </p:cSld>
@@ -3980,7 +4070,15 @@
           <a:p>
             <a:r>
               <a:rPr lang="sv-SE" dirty="0" smtClean="0"/>
-              <a:t>Rummet</a:t>
+              <a:t>The Stockholm </a:t>
+            </a:r>
+            <a:r>
+              <a:rPr lang="sv-SE" dirty="0" err="1" smtClean="0"/>
+              <a:t>Code</a:t>
+            </a:r>
+            <a:r>
+              <a:rPr lang="sv-SE" dirty="0" smtClean="0"/>
+              <a:t> Group Song</a:t>
             </a:r>
             <a:endParaRPr lang="sv-SE" dirty="0"/>
           </a:p>
@@ -4002,65 +4100,91 @@
           <a:lstStyle/>
           <a:p>
             <a:r>
-              <a:rPr lang="sv-SE" dirty="0" err="1" smtClean="0"/>
-              <a:t>Delay</a:t>
-            </a:r>
-            <a:r>
-              <a:rPr lang="sv-SE" dirty="0" smtClean="0"/>
-              <a:t> för att skapa reverb och eko</a:t>
-            </a:r>
-          </a:p>
-          <a:p>
-            <a:r>
-              <a:rPr lang="sv-SE" dirty="0" smtClean="0"/>
-              <a:t>Färdiga reverbs </a:t>
-            </a:r>
-            <a:r>
-              <a:rPr lang="sv-SE" dirty="0" err="1" smtClean="0"/>
-              <a:t>Nrev</a:t>
+              <a:rPr lang="sv-SE" dirty="0" smtClean="0"/>
+              <a:t>Skriv ditt </a:t>
+            </a:r>
+            <a:r>
+              <a:rPr lang="sv-SE" dirty="0" err="1" smtClean="0"/>
+              <a:t>track</a:t>
+            </a:r>
+            <a:r>
+              <a:rPr lang="sv-SE" dirty="0" smtClean="0"/>
+              <a:t>, lek med takter, ackord och arpeggios.</a:t>
+            </a:r>
+          </a:p>
+          <a:p>
+            <a:r>
+              <a:rPr lang="sv-SE" dirty="0" smtClean="0"/>
+              <a:t>120 BPM</a:t>
+            </a:r>
+          </a:p>
+          <a:p>
+            <a:r>
+              <a:rPr lang="sv-SE" dirty="0" err="1" smtClean="0"/>
+              <a:t>PentaScale</a:t>
             </a:r>
             <a:endParaRPr lang="sv-SE" dirty="0" smtClean="0"/>
           </a:p>
           <a:p>
             <a:r>
               <a:rPr lang="sv-SE" dirty="0" smtClean="0"/>
-              <a:t>Andra </a:t>
-            </a:r>
-            <a:r>
-              <a:rPr lang="sv-SE" dirty="0" err="1" smtClean="0"/>
-              <a:t>effects</a:t>
-            </a:r>
-            <a:r>
-              <a:rPr lang="sv-SE" dirty="0" smtClean="0"/>
-              <a:t>. Chorus, </a:t>
-            </a:r>
-            <a:r>
-              <a:rPr lang="sv-SE" dirty="0" err="1" smtClean="0"/>
-              <a:t>PitShift</a:t>
-            </a:r>
-            <a:r>
-              <a:rPr lang="sv-SE" dirty="0" smtClean="0"/>
-              <a:t>, </a:t>
-            </a:r>
-            <a:r>
-              <a:rPr lang="sv-SE" dirty="0" err="1" smtClean="0"/>
-              <a:t>Dyno</a:t>
+              <a:t>Nån på trummor?</a:t>
+            </a:r>
+          </a:p>
+          <a:p>
+            <a:r>
+              <a:rPr lang="sv-SE" dirty="0" smtClean="0"/>
+              <a:t>16 takter, dvs totalt 16 * </a:t>
+            </a:r>
+            <a:r>
+              <a:rPr lang="sv-SE" dirty="0" err="1" smtClean="0"/>
+              <a:t>bpm.whole</a:t>
             </a:r>
             <a:endParaRPr lang="sv-SE" dirty="0" smtClean="0"/>
           </a:p>
           <a:p>
-            <a:endParaRPr lang="sv-SE" dirty="0"/>
-          </a:p>
-          <a:p>
-            <a:r>
-              <a:rPr lang="sv-SE" dirty="0" smtClean="0"/>
-              <a:t> </a:t>
-            </a:r>
-          </a:p>
-          <a:p>
-            <a:endParaRPr lang="sv-SE" dirty="0"/>
-          </a:p>
-          <a:p>
+            <a:r>
+              <a:rPr lang="sv-SE" dirty="0" smtClean="0"/>
+              <a:t>Mats skriver </a:t>
+            </a:r>
+            <a:r>
+              <a:rPr lang="sv-SE" dirty="0" err="1" smtClean="0"/>
+              <a:t>main.ck</a:t>
+            </a:r>
+            <a:r>
+              <a:rPr lang="sv-SE" dirty="0" smtClean="0"/>
+              <a:t> och </a:t>
+            </a:r>
+            <a:r>
+              <a:rPr lang="sv-SE" dirty="0" err="1" smtClean="0"/>
+              <a:t>rampar</a:t>
+            </a:r>
+            <a:r>
+              <a:rPr lang="sv-SE" dirty="0" smtClean="0"/>
+              <a:t> upp efterhand.</a:t>
+            </a:r>
+          </a:p>
+          <a:p>
+            <a:r>
+              <a:rPr lang="sv-SE" dirty="0" err="1" smtClean="0"/>
+              <a:t>Committa</a:t>
+            </a:r>
+            <a:r>
+              <a:rPr lang="sv-SE" dirty="0" smtClean="0"/>
+              <a:t> in i </a:t>
+            </a:r>
+            <a:r>
+              <a:rPr lang="sv-SE" dirty="0" err="1" smtClean="0"/>
+              <a:t>scgsong</a:t>
+            </a:r>
+            <a:r>
+              <a:rPr lang="sv-SE" dirty="0" smtClean="0"/>
+              <a:t> med </a:t>
+            </a:r>
+            <a:r>
+              <a:rPr lang="sv-SE" dirty="0" err="1" smtClean="0"/>
+              <a:t>fornamn.ck</a:t>
+            </a:r>
             <a:endParaRPr lang="sv-SE" dirty="0"/>
           </a:p>
         </p:txBody>
@@ -4068,7 +4192,7 @@
     </p:spTree>
     <p:extLst>
       <p:ext uri="{BB962C8B-B14F-4D97-AF65-F5344CB8AC3E}">
-        <p14:creationId xmlns:p14="http://schemas.microsoft.com/office/powerpoint/2010/main" val="2146012539"/>
+        <p14:creationId xmlns:p14="http://schemas.microsoft.com/office/powerpoint/2010/main" val="1119312779"/>
       </p:ext>
     </p:extLst>
   </p:cSld>
@@ -4107,12 +4231,14 @@
         </p:nvSpPr>
         <p:spPr/>
         <p:txBody>
-          <a:bodyPr/>
-          <a:lstStyle/>
-          <a:p>
-            <a:r>
-              <a:rPr lang="sv-SE" dirty="0" err="1" smtClean="0"/>
-              <a:t>Voices</a:t>
+          <a:bodyPr>
+            <a:normAutofit/>
+          </a:bodyPr>
+          <a:lstStyle/>
+          <a:p>
+            <a:r>
+              <a:rPr lang="sv-SE" dirty="0" smtClean="0"/>
+              <a:t>Annat kul att utforska</a:t>
             </a:r>
             <a:endParaRPr lang="sv-SE" dirty="0"/>
           </a:p>
@@ -4133,86 +4259,69 @@
           <a:bodyPr/>
           <a:lstStyle/>
           <a:p>
-            <a:endParaRPr lang="sv-SE"/>
+            <a:r>
+              <a:rPr lang="sv-SE" dirty="0" smtClean="0"/>
+              <a:t>Stereo, </a:t>
+            </a:r>
+            <a:r>
+              <a:rPr lang="sv-SE" dirty="0" err="1" smtClean="0"/>
+              <a:t>panning</a:t>
+            </a:r>
+            <a:r>
+              <a:rPr lang="sv-SE" dirty="0" smtClean="0"/>
+              <a:t> och </a:t>
+            </a:r>
+            <a:r>
+              <a:rPr lang="sv-SE" dirty="0" err="1" smtClean="0"/>
+              <a:t>mixing</a:t>
+            </a:r>
+            <a:endParaRPr lang="sv-SE" dirty="0" smtClean="0"/>
+          </a:p>
+          <a:p>
+            <a:r>
+              <a:rPr lang="sv-SE" dirty="0" smtClean="0"/>
+              <a:t>Events</a:t>
+            </a:r>
+          </a:p>
+          <a:p>
+            <a:r>
+              <a:rPr lang="sv-SE" dirty="0" smtClean="0"/>
+              <a:t>Färdiga syntar och instrument</a:t>
+            </a:r>
+          </a:p>
+          <a:p>
+            <a:r>
+              <a:rPr lang="sv-SE" dirty="0" smtClean="0"/>
+              <a:t>Virvlar och </a:t>
+            </a:r>
+            <a:r>
+              <a:rPr lang="sv-SE" dirty="0" err="1" smtClean="0"/>
+              <a:t>drops</a:t>
+            </a:r>
+            <a:endParaRPr lang="sv-SE" dirty="0"/>
+          </a:p>
+          <a:p>
+            <a:r>
+              <a:rPr lang="sv-SE" dirty="0" err="1" smtClean="0"/>
+              <a:t>Blackhole</a:t>
+            </a:r>
+            <a:r>
+              <a:rPr lang="sv-SE" dirty="0" smtClean="0"/>
+              <a:t> för enbart röststyrning utan röstoutput</a:t>
+            </a:r>
+          </a:p>
+          <a:p>
+            <a:endParaRPr lang="sv-SE" dirty="0" smtClean="0"/>
+          </a:p>
+          <a:p>
+            <a:endParaRPr lang="sv-SE" dirty="0"/>
           </a:p>
         </p:txBody>
       </p:sp>
     </p:spTree>
     <p:extLst>
       <p:ext uri="{BB962C8B-B14F-4D97-AF65-F5344CB8AC3E}">
-        <p14:creationId xmlns:p14="http://schemas.microsoft.com/office/powerpoint/2010/main" val="480743263"/>
-      </p:ext>
-    </p:extLst>
-  </p:cSld>
-  <p:clrMapOvr>
-    <a:masterClrMapping/>
-  </p:clrMapOvr>
-</p:sld>
-</file>
-
-<file path=ppt/slides/slide16.xml><?xml version="1.0" encoding="utf-8"?>
-<p:sld xmlns:a="http://schemas.openxmlformats.org/drawingml/2006/main" xmlns:r="http://schemas.openxmlformats.org/officeDocument/2006/relationships" xmlns:p="http://schemas.openxmlformats.org/presentationml/2006/main">
-  <p:cSld>
-    <p:spTree>
-      <p:nvGrpSpPr>
-        <p:cNvPr id="1" name=""/>
-        <p:cNvGrpSpPr/>
-        <p:nvPr/>
-      </p:nvGrpSpPr>
-      <p:grpSpPr>
-        <a:xfrm>
-          <a:off x="0" y="0"/>
-          <a:ext cx="0" cy="0"/>
-          <a:chOff x="0" y="0"/>
-          <a:chExt cx="0" cy="0"/>
-        </a:xfrm>
-      </p:grpSpPr>
-      <p:sp>
-        <p:nvSpPr>
-          <p:cNvPr id="2" name="Rubrik 1"/>
-          <p:cNvSpPr>
-            <a:spLocks noGrp="1"/>
-          </p:cNvSpPr>
-          <p:nvPr>
-            <p:ph type="title"/>
-          </p:nvPr>
-        </p:nvSpPr>
-        <p:spPr/>
-        <p:txBody>
-          <a:bodyPr/>
-          <a:lstStyle/>
-          <a:p>
-            <a:r>
-              <a:rPr lang="sv-SE" dirty="0" smtClean="0"/>
-              <a:t>Events</a:t>
-            </a:r>
-            <a:endParaRPr lang="sv-SE" dirty="0"/>
-          </a:p>
-        </p:txBody>
-      </p:sp>
-      <p:sp>
-        <p:nvSpPr>
-          <p:cNvPr id="3" name="Platshållare för innehåll 2"/>
-          <p:cNvSpPr>
-            <a:spLocks noGrp="1"/>
-          </p:cNvSpPr>
-          <p:nvPr>
-            <p:ph idx="1"/>
-          </p:nvPr>
-        </p:nvSpPr>
-        <p:spPr/>
-        <p:txBody>
-          <a:bodyPr/>
-          <a:lstStyle/>
-          <a:p>
-            <a:endParaRPr lang="sv-SE"/>
-          </a:p>
-        </p:txBody>
-      </p:sp>
-    </p:spTree>
-    <p:extLst>
-      <p:ext uri="{BB962C8B-B14F-4D97-AF65-F5344CB8AC3E}">
-        <p14:creationId xmlns:p14="http://schemas.microsoft.com/office/powerpoint/2010/main" val="1751740027"/>
+        <p14:creationId xmlns:p14="http://schemas.microsoft.com/office/powerpoint/2010/main" val="856074556"/>
       </p:ext>
     </p:extLst>
   </p:cSld>
@@ -4319,11 +4428,12 @@
             </a:r>
             <a:r>
               <a:rPr lang="sv-SE" dirty="0" smtClean="0"/>
-              <a:t>).</a:t>
-            </a:r>
-          </a:p>
-          <a:p>
-            <a:endParaRPr lang="sv-SE" dirty="0"/>
+              <a:t>)</a:t>
+            </a:r>
+            <a:r>
+              <a:rPr lang="sv-SE" dirty="0" smtClean="0"/>
+              <a:t>.</a:t>
+            </a:r>
           </a:p>
         </p:txBody>
       </p:sp>
@@ -4436,27 +4546,13 @@
             </a:r>
             <a:r>
               <a:rPr lang="sv-SE" dirty="0" smtClean="0"/>
-              <a:t> loss</a:t>
-            </a:r>
-          </a:p>
-          <a:p>
-            <a:r>
-              <a:rPr lang="sv-SE" dirty="0" smtClean="0"/>
-              <a:t>Starta</a:t>
-            </a:r>
-          </a:p>
-          <a:p>
+              <a:t> </a:t>
+            </a:r>
+            <a:r>
+              <a:rPr lang="sv-SE" dirty="0" smtClean="0"/>
+              <a:t>loss</a:t>
+            </a:r>
             <a:endParaRPr lang="sv-SE" dirty="0" smtClean="0"/>
-          </a:p>
-          <a:p>
-            <a:endParaRPr lang="sv-SE" dirty="0"/>
-          </a:p>
-          <a:p>
-            <a:r>
-              <a:rPr lang="sv-SE" dirty="0" smtClean="0"/>
-              <a:t>&lt;koda&gt;</a:t>
-            </a:r>
-            <a:endParaRPr lang="sv-SE" dirty="0"/>
           </a:p>
         </p:txBody>
       </p:sp>
@@ -4551,8 +4647,9 @@
           <a:p>
             <a:r>
               <a:rPr lang="sv-SE" dirty="0" smtClean="0"/>
-              <a:t>Square</a:t>
-            </a:r>
+              <a:t>Square (klarinett)</a:t>
+            </a:r>
+            <a:endParaRPr lang="sv-SE" dirty="0" smtClean="0"/>
           </a:p>
           <a:p>
             <a:r>
@@ -4562,16 +4659,30 @@
             <a:endParaRPr lang="sv-SE" dirty="0" smtClean="0"/>
           </a:p>
           <a:p>
+            <a:endParaRPr lang="sv-SE" dirty="0"/>
+          </a:p>
+          <a:p>
+            <a:r>
+              <a:rPr lang="sv-SE" dirty="0" smtClean="0"/>
+              <a:t>&lt;</a:t>
+            </a:r>
+            <a:r>
+              <a:rPr lang="sv-SE" dirty="0" err="1" smtClean="0"/>
+              <a:t>waves.ck</a:t>
+            </a:r>
+            <a:r>
+              <a:rPr lang="sv-SE" dirty="0" smtClean="0"/>
+              <a:t>&gt;</a:t>
+            </a:r>
             <a:endParaRPr lang="sv-SE" dirty="0" smtClean="0"/>
           </a:p>
           <a:p>
+            <a:endParaRPr lang="sv-SE" dirty="0" smtClean="0"/>
+          </a:p>
+          <a:p>
             <a:endParaRPr lang="sv-SE" dirty="0"/>
           </a:p>
           <a:p>
-            <a:r>
-              <a:rPr lang="sv-SE" dirty="0" smtClean="0"/>
-              <a:t>&lt;koda&gt;</a:t>
-            </a:r>
             <a:endParaRPr lang="sv-SE" dirty="0"/>
           </a:p>
         </p:txBody>
@@ -4687,8 +4798,17 @@
           <a:p>
             <a:r>
               <a:rPr lang="sv-SE" dirty="0" smtClean="0"/>
-              <a:t>&lt;koda&gt;</a:t>
-            </a:r>
+              <a:t>&lt;</a:t>
+            </a:r>
+            <a:r>
+              <a:rPr lang="sv-SE" dirty="0" err="1" smtClean="0"/>
+              <a:t>pulseosc.ck</a:t>
+            </a:r>
+            <a:r>
+              <a:rPr lang="sv-SE" dirty="0" smtClean="0"/>
+              <a:t>&gt;</a:t>
+            </a:r>
+            <a:endParaRPr lang="sv-SE" dirty="0" smtClean="0"/>
           </a:p>
           <a:p>
             <a:endParaRPr lang="sv-SE" dirty="0"/>
@@ -4813,7 +4933,23 @@
           <a:p>
             <a:r>
               <a:rPr lang="sv-SE" dirty="0" smtClean="0"/>
-              <a:t>&lt;koda&gt;</a:t>
+              <a:t>&lt;</a:t>
+            </a:r>
+            <a:r>
+              <a:rPr lang="sv-SE" dirty="0" err="1" smtClean="0"/>
+              <a:t>envelope.ck</a:t>
+            </a:r>
+            <a:r>
+              <a:rPr lang="sv-SE" dirty="0" smtClean="0"/>
+              <a:t>, </a:t>
+            </a:r>
+            <a:r>
+              <a:rPr lang="sv-SE" dirty="0" err="1" smtClean="0"/>
+              <a:t>adsr.ck</a:t>
+            </a:r>
+            <a:r>
+              <a:rPr lang="sv-SE" dirty="0" smtClean="0"/>
+              <a:t>&gt;</a:t>
             </a:r>
             <a:endParaRPr lang="sv-SE" dirty="0"/>
           </a:p>
@@ -4957,8 +5093,17 @@
           <a:p>
             <a:r>
               <a:rPr lang="sv-SE" dirty="0" smtClean="0"/>
-              <a:t>&lt;koda&gt;</a:t>
-            </a:r>
+              <a:t>&lt;</a:t>
+            </a:r>
+            <a:r>
+              <a:rPr lang="sv-SE" dirty="0" err="1" smtClean="0"/>
+              <a:t>vibrato.ck</a:t>
+            </a:r>
+            <a:r>
+              <a:rPr lang="sv-SE" dirty="0" smtClean="0"/>
+              <a:t>&gt;</a:t>
+            </a:r>
+            <a:endParaRPr lang="sv-SE" dirty="0" smtClean="0"/>
           </a:p>
           <a:p>
             <a:endParaRPr lang="sv-SE" dirty="0"/>
@@ -5086,8 +5231,36 @@
           <a:p>
             <a:r>
               <a:rPr lang="sv-SE" dirty="0" smtClean="0"/>
-              <a:t>&lt;koda&gt;</a:t>
-            </a:r>
+              <a:t>&lt;</a:t>
+            </a:r>
+            <a:r>
+              <a:rPr lang="sv-SE" dirty="0" err="1" smtClean="0"/>
+              <a:t>CScale.ck</a:t>
+            </a:r>
+            <a:r>
+              <a:rPr lang="sv-SE" dirty="0" smtClean="0"/>
+              <a:t>&gt;</a:t>
+            </a:r>
+          </a:p>
+          <a:p>
+            <a:r>
+              <a:rPr lang="sv-SE" dirty="0" smtClean="0"/>
+              <a:t>&lt;</a:t>
+            </a:r>
+            <a:r>
+              <a:rPr lang="sv-SE" dirty="0" err="1" smtClean="0"/>
+              <a:t>PentaScale.ck</a:t>
+            </a:r>
+            <a:r>
+              <a:rPr lang="sv-SE" dirty="0" smtClean="0"/>
+              <a:t>&gt;</a:t>
+            </a:r>
+          </a:p>
+          <a:p>
+            <a:endParaRPr lang="sv-SE" dirty="0"/>
+          </a:p>
+          <a:p>
+            <a:endParaRPr lang="sv-SE" dirty="0" smtClean="0"/>
           </a:p>
         </p:txBody>
       </p:sp>
@@ -5137,8 +5310,8 @@
           <a:lstStyle/>
           <a:p>
             <a:r>
-              <a:rPr lang="sv-SE" dirty="0" smtClean="0"/>
-              <a:t>Ackord</a:t>
+              <a:rPr lang="sv-SE" dirty="0" err="1" smtClean="0"/>
+              <a:t>Noise</a:t>
             </a:r>
             <a:endParaRPr lang="sv-SE" dirty="0"/>
           </a:p>
@@ -5161,28 +5334,83 @@
           <a:p>
             <a:r>
               <a:rPr lang="sv-SE" dirty="0" smtClean="0"/>
-              <a:t>Följ skalan</a:t>
-            </a:r>
-          </a:p>
-          <a:p>
-            <a:endParaRPr lang="sv-SE" dirty="0"/>
-          </a:p>
-          <a:p>
+              <a:t>Kan användas för att skapa </a:t>
+            </a:r>
+            <a:r>
+              <a:rPr lang="sv-SE" dirty="0" smtClean="0"/>
+              <a:t>ton, </a:t>
+            </a:r>
+            <a:r>
+              <a:rPr lang="sv-SE" dirty="0" err="1" smtClean="0"/>
+              <a:t>mha</a:t>
+            </a:r>
+            <a:r>
+              <a:rPr lang="sv-SE" dirty="0" smtClean="0"/>
+              <a:t> </a:t>
+            </a:r>
+            <a:r>
+              <a:rPr lang="sv-SE" dirty="0" err="1" smtClean="0"/>
+              <a:t>delay</a:t>
+            </a:r>
             <a:endParaRPr lang="sv-SE" dirty="0" smtClean="0"/>
           </a:p>
           <a:p>
             <a:r>
               <a:rPr lang="sv-SE" dirty="0" smtClean="0"/>
+              <a:t>Man skapar svängningar genom </a:t>
+            </a:r>
+            <a:r>
+              <a:rPr lang="sv-SE" dirty="0" err="1" smtClean="0"/>
+              <a:t>delays</a:t>
+            </a:r>
+            <a:endParaRPr lang="sv-SE" dirty="0" smtClean="0"/>
+          </a:p>
+          <a:p>
+            <a:r>
+              <a:rPr lang="is-IS" dirty="0" smtClean="0"/>
+              <a:t>…så frekvensen blir 44100 / delay</a:t>
+            </a:r>
+            <a:endParaRPr lang="is-IS" dirty="0" smtClean="0"/>
+          </a:p>
+          <a:p>
+            <a:r>
+              <a:rPr lang="sv-SE" dirty="0"/>
+              <a:t>G</a:t>
+            </a:r>
+            <a:r>
+              <a:rPr lang="sv-SE" dirty="0" smtClean="0"/>
+              <a:t>ärna med ett filter, t.ex. </a:t>
+            </a:r>
+            <a:r>
+              <a:rPr lang="sv-SE" dirty="0" err="1" smtClean="0"/>
+              <a:t>OneZero</a:t>
+            </a:r>
+            <a:endParaRPr lang="sv-SE" dirty="0" smtClean="0"/>
+          </a:p>
+          <a:p>
+            <a:r>
+              <a:rPr lang="sv-SE" dirty="0" smtClean="0"/>
+              <a:t>Finns även andra filter LPF, HPF </a:t>
+            </a:r>
+            <a:endParaRPr lang="is-IS" dirty="0"/>
+          </a:p>
+          <a:p>
+            <a:r>
+              <a:rPr lang="is-IS" dirty="0" smtClean="0"/>
               <a:t>&lt;</a:t>
             </a:r>
             <a:r>
-              <a:rPr lang="sv-SE" dirty="0" err="1" smtClean="0"/>
-              <a:t>code</a:t>
-            </a:r>
-            <a:r>
-              <a:rPr lang="sv-SE" dirty="0" smtClean="0"/>
-              <a:t>&gt;</a:t>
-            </a:r>
+              <a:rPr lang="is-IS" dirty="0" smtClean="0"/>
+              <a:t>noise.ck&gt;</a:t>
+            </a:r>
+          </a:p>
+          <a:p>
+            <a:endParaRPr lang="is-IS" dirty="0" smtClean="0"/>
+          </a:p>
+          <a:p>
+            <a:endParaRPr lang="is-IS" dirty="0" smtClean="0"/>
+          </a:p>
+          <a:p>
             <a:endParaRPr lang="sv-SE" dirty="0"/>
           </a:p>
         </p:txBody>
@@ -5190,7 +5418,7 @@
     </p:spTree>
     <p:extLst>
       <p:ext uri="{BB962C8B-B14F-4D97-AF65-F5344CB8AC3E}">
-        <p14:creationId xmlns:p14="http://schemas.microsoft.com/office/powerpoint/2010/main" val="1247754957"/>
+        <p14:creationId xmlns:p14="http://schemas.microsoft.com/office/powerpoint/2010/main" val="2261378091"/>
       </p:ext>
     </p:extLst>
   </p:cSld>
